--- a/课程PPT/09.JavaScript内置类型.pptx
+++ b/课程PPT/09.JavaScript内置类型.pptx
@@ -9,8 +9,9 @@
   </p:notesMasterIdLst>
   <p:sldIdLst>
     <p:sldId id="1222" r:id="rId3"/>
-    <p:sldId id="1223" r:id="rId5"/>
-    <p:sldId id="1104" r:id="rId6"/>
+    <p:sldId id="1225" r:id="rId5"/>
+    <p:sldId id="1223" r:id="rId6"/>
+    <p:sldId id="1104" r:id="rId7"/>
   </p:sldIdLst>
   <p:sldSz cx="12192000" cy="6858000"/>
   <p:notesSz cx="6797675" cy="9928225"/>
@@ -645,6 +646,84 @@
             </a:pPr>
             <a:fld id="{50FA7BE5-9B7D-4F20-881C-9A0B90E6FF72}" type="slidenum">
               <a:rPr lang="zh-CN" altLang="zh-CN" smtClean="0"/>
+            </a:fld>
+            <a:endParaRPr lang="zh-CN" altLang="zh-CN"/>
+          </a:p>
+        </p:txBody>
+      </p:sp>
+    </p:spTree>
+  </p:cSld>
+  <p:clrMapOvr>
+    <a:masterClrMapping/>
+  </p:clrMapOvr>
+</p:notes>
+</file>
+
+<file path=ppt/notesSlides/notesSlide2.xml><?xml version="1.0" encoding="utf-8"?>
+<p:notes xmlns:a="http://schemas.openxmlformats.org/drawingml/2006/main" xmlns:r="http://schemas.openxmlformats.org/officeDocument/2006/relationships" xmlns:p="http://schemas.openxmlformats.org/presentationml/2006/main">
+  <p:cSld>
+    <p:spTree>
+      <p:nvGrpSpPr>
+        <p:cNvPr id="1" name=""/>
+        <p:cNvGrpSpPr/>
+        <p:nvPr/>
+      </p:nvGrpSpPr>
+      <p:grpSpPr>
+        <a:xfrm>
+          <a:off x="0" y="0"/>
+          <a:ext cx="0" cy="0"/>
+          <a:chOff x="0" y="0"/>
+          <a:chExt cx="0" cy="0"/>
+        </a:xfrm>
+      </p:grpSpPr>
+      <p:sp>
+        <p:nvSpPr>
+          <p:cNvPr id="2" name="幻灯片图像占位符 1"/>
+          <p:cNvSpPr>
+            <a:spLocks noGrp="1" noRot="1" noChangeAspect="1"/>
+          </p:cNvSpPr>
+          <p:nvPr>
+            <p:ph type="sldImg"/>
+          </p:nvPr>
+        </p:nvSpPr>
+        <p:spPr/>
+      </p:sp>
+      <p:sp>
+        <p:nvSpPr>
+          <p:cNvPr id="3" name="备注占位符 2"/>
+          <p:cNvSpPr>
+            <a:spLocks noGrp="1"/>
+          </p:cNvSpPr>
+          <p:nvPr>
+            <p:ph type="body" idx="1"/>
+          </p:nvPr>
+        </p:nvSpPr>
+        <p:spPr/>
+        <p:txBody>
+          <a:bodyPr/>
+          <a:lstStyle/>
+          <a:p>
+            <a:endParaRPr lang="zh-CN" altLang="en-US" dirty="0"/>
+          </a:p>
+        </p:txBody>
+      </p:sp>
+      <p:sp>
+        <p:nvSpPr>
+          <p:cNvPr id="4" name="灯片编号占位符 3"/>
+          <p:cNvSpPr>
+            <a:spLocks noGrp="1"/>
+          </p:cNvSpPr>
+          <p:nvPr>
+            <p:ph type="sldNum" sz="quarter" idx="10"/>
+          </p:nvPr>
+        </p:nvSpPr>
+        <p:spPr/>
+        <p:txBody>
+          <a:bodyPr/>
+          <a:lstStyle/>
+          <a:p>
+            <a:fld id="{D9AFD278-84AA-4CAA-9049-809825956FE0}" type="slidenum">
+              <a:rPr lang="en-US" altLang="zh-CN" smtClean="0"/>
             </a:fld>
             <a:endParaRPr lang="zh-CN" altLang="zh-CN"/>
           </a:p>
@@ -3042,6 +3121,166 @@
           <a:chExt cx="0" cy="0"/>
         </a:xfrm>
       </p:grpSpPr>
+      <p:sp>
+        <p:nvSpPr>
+          <p:cNvPr id="11266" name="内容占位符 1"/>
+          <p:cNvSpPr>
+            <a:spLocks noGrp="1"/>
+          </p:cNvSpPr>
+          <p:nvPr>
+            <p:ph sz="quarter" idx="10"/>
+          </p:nvPr>
+        </p:nvSpPr>
+        <p:spPr bwMode="auto">
+          <a:xfrm>
+            <a:off x="947420" y="940435"/>
+            <a:ext cx="10493375" cy="5115560"/>
+          </a:xfrm>
+          <a:noFill/>
+          <a:extLst>
+            <a:ext uri="{909E8E84-426E-40DD-AFC4-6F175D3DCCD1}">
+              <a14:hiddenFill xmlns:a14="http://schemas.microsoft.com/office/drawing/2010/main">
+                <a:solidFill>
+                  <a:srgbClr val="FFFFFF"/>
+                </a:solidFill>
+              </a14:hiddenFill>
+            </a:ext>
+            <a:ext uri="{91240B29-F687-4F45-9708-019B960494DF}">
+              <a14:hiddenLine xmlns:a14="http://schemas.microsoft.com/office/drawing/2010/main" w="9525">
+                <a:solidFill>
+                  <a:srgbClr val="000000"/>
+                </a:solidFill>
+                <a:miter lim="800000"/>
+                <a:headEnd/>
+                <a:tailEnd/>
+              </a14:hiddenLine>
+            </a:ext>
+          </a:extLst>
+        </p:spPr>
+        <p:txBody>
+          <a:bodyPr vert="horz" wrap="square" lIns="91440" tIns="45720" rIns="91440" bIns="45720" numCol="1" anchor="t" anchorCtr="0" compatLnSpc="1"/>
+          <a:lstStyle/>
+          <a:p>
+            <a:pPr>
+              <a:lnSpc>
+                <a:spcPct val="130000"/>
+              </a:lnSpc>
+            </a:pPr>
+            <a:r>
+              <a:rPr kumimoji="0" lang="en-US" altLang="zh-CN" sz="3200" dirty="0" smtClean="0">
+                <a:solidFill>
+                  <a:schemeClr val="tx1"/>
+                </a:solidFill>
+                <a:sym typeface="+mn-ea"/>
+              </a:rPr>
+              <a:t> https://developer.mozilla.org/zh-CN/docs/Web/JavaScript/Reference/Global_Objects/Array</a:t>
+            </a:r>
+            <a:endParaRPr kumimoji="0" lang="en-US" altLang="zh-CN" sz="3200" dirty="0" smtClean="0">
+              <a:solidFill>
+                <a:schemeClr val="tx1"/>
+              </a:solidFill>
+              <a:sym typeface="+mn-ea"/>
+            </a:endParaRPr>
+          </a:p>
+          <a:p>
+            <a:pPr>
+              <a:lnSpc>
+                <a:spcPct val="130000"/>
+              </a:lnSpc>
+            </a:pPr>
+            <a:endParaRPr kumimoji="0" lang="zh-CN" altLang="en-US" sz="3200" dirty="0" smtClean="0">
+              <a:solidFill>
+                <a:schemeClr val="tx1"/>
+              </a:solidFill>
+              <a:sym typeface="+mn-ea"/>
+            </a:endParaRPr>
+          </a:p>
+          <a:p>
+            <a:pPr eaLnBrk="1" hangingPunct="1">
+              <a:lnSpc>
+                <a:spcPct val="150000"/>
+              </a:lnSpc>
+            </a:pPr>
+            <a:endParaRPr kumimoji="0" lang="en-US" altLang="zh-CN" sz="3600" dirty="0" smtClean="0">
+              <a:solidFill>
+                <a:schemeClr val="tx1"/>
+              </a:solidFill>
+            </a:endParaRPr>
+          </a:p>
+          <a:p>
+            <a:pPr eaLnBrk="1" hangingPunct="1">
+              <a:lnSpc>
+                <a:spcPct val="150000"/>
+              </a:lnSpc>
+            </a:pPr>
+            <a:endParaRPr kumimoji="0" lang="zh-CN" altLang="en-US" dirty="0" smtClean="0">
+              <a:solidFill>
+                <a:schemeClr val="tx1"/>
+              </a:solidFill>
+            </a:endParaRPr>
+          </a:p>
+        </p:txBody>
+      </p:sp>
+      <p:sp>
+        <p:nvSpPr>
+          <p:cNvPr id="2" name="内容占位符 1"/>
+          <p:cNvSpPr>
+            <a:spLocks noGrp="1"/>
+          </p:cNvSpPr>
+          <p:nvPr>
+            <p:ph sz="quarter" idx="11"/>
+          </p:nvPr>
+        </p:nvSpPr>
+        <p:spPr>
+          <a:xfrm>
+            <a:off x="947420" y="308610"/>
+            <a:ext cx="8415655" cy="490220"/>
+          </a:xfrm>
+        </p:spPr>
+        <p:txBody>
+          <a:bodyPr/>
+          <a:lstStyle/>
+          <a:p>
+            <a:r>
+              <a:rPr kumimoji="0" lang="zh-CN" dirty="0"/>
+              <a:t>参考链接</a:t>
+            </a:r>
+            <a:endParaRPr kumimoji="0" lang="zh-CN" dirty="0"/>
+          </a:p>
+        </p:txBody>
+      </p:sp>
+    </p:spTree>
+  </p:cSld>
+  <p:clrMapOvr>
+    <a:masterClrMapping/>
+  </p:clrMapOvr>
+  <p:timing>
+    <p:tnLst>
+      <p:par>
+        <p:cTn id="1" dur="indefinite" restart="never" nodeType="tmRoot"/>
+      </p:par>
+    </p:tnLst>
+  </p:timing>
+</p:sld>
+</file>
+
+<file path=ppt/slides/slide3.xml><?xml version="1.0" encoding="utf-8"?>
+<p:sld xmlns:a="http://schemas.openxmlformats.org/drawingml/2006/main" xmlns:r="http://schemas.openxmlformats.org/officeDocument/2006/relationships" xmlns:p="http://schemas.openxmlformats.org/presentationml/2006/main">
+  <p:cSld>
+    <p:spTree>
+      <p:nvGrpSpPr>
+        <p:cNvPr id="1" name=""/>
+        <p:cNvGrpSpPr/>
+        <p:nvPr/>
+      </p:nvGrpSpPr>
+      <p:grpSpPr>
+        <a:xfrm>
+          <a:off x="0" y="0"/>
+          <a:ext cx="0" cy="0"/>
+          <a:chOff x="0" y="0"/>
+          <a:chExt cx="0" cy="0"/>
+        </a:xfrm>
+      </p:grpSpPr>
       <p:pic>
         <p:nvPicPr>
           <p:cNvPr id="4098" name="Picture 4"/>
@@ -3408,7 +3647,7 @@
 </p:sld>
 </file>
 
-<file path=ppt/slides/slide3.xml><?xml version="1.0" encoding="utf-8"?>
+<file path=ppt/slides/slide4.xml><?xml version="1.0" encoding="utf-8"?>
 <p:sld xmlns:a="http://schemas.openxmlformats.org/drawingml/2006/main" xmlns:r="http://schemas.openxmlformats.org/officeDocument/2006/relationships" xmlns:p="http://schemas.openxmlformats.org/presentationml/2006/main">
   <p:cSld>
     <p:spTree>
